--- a/OBESITY PROJECT-FINAL PROJECT-2023-Abed Sanchez-CORRECTED-FLOW-040523.pptx
+++ b/OBESITY PROJECT-FINAL PROJECT-2023-Abed Sanchez-CORRECTED-FLOW-040523.pptx
@@ -3335,7 +3335,7 @@
           <p:cNvPr id="0" name="slide1">
             <a:extLst>
               <a:ext uri="{FF2B5EF4-FFF2-40B4-BE49-F238E27FC236}">
-                <a16:creationId xmlns:a16="http://schemas.microsoft.com/office/drawing/2014/main" id="{51C78B89-C41C-4069-A015-D7650CAC1A47}"/>
+                <a16:creationId xmlns:a16="http://schemas.microsoft.com/office/drawing/2014/main" id="{5F4DA4A4-5555-48C8-8ACD-E0B74664B810}"/>
               </a:ext>
             </a:extLst>
           </p:cNvPr>
@@ -3363,7 +3363,7 @@
           <p:cNvPr id="1" name="slide1">
             <a:extLst>
               <a:ext uri="{FF2B5EF4-FFF2-40B4-BE49-F238E27FC236}">
-                <a16:creationId xmlns:a16="http://schemas.microsoft.com/office/drawing/2014/main" id="{EBF2DC72-74EC-4EEC-ABEF-272D9A67DB1B}"/>
+                <a16:creationId xmlns:a16="http://schemas.microsoft.com/office/drawing/2014/main" id="{8B05A35A-0DA6-49C0-9E82-9506E3D47B67}"/>
               </a:ext>
             </a:extLst>
           </p:cNvPr>
@@ -3381,7 +3381,7 @@
           <a:p>
             <a:r>
               <a:rPr/>
-              <a:t>File created on: 11/16/2023 5:23:39 PM</a:t>
+              <a:t>File created on: 12/10/2023 2:51:46 PM</a:t>
             </a:r>
           </a:p>
         </p:txBody>
@@ -3421,7 +3421,7 @@
           <p:cNvPr descr="Obesity in the World and how it compares among different countries10" id="10" name="slide10">
             <a:extLst>
               <a:ext uri="{FF2B5EF4-FFF2-40B4-BE49-F238E27FC236}">
-                <a16:creationId xmlns:a16="http://schemas.microsoft.com/office/drawing/2014/main" id="{A2BE9250-2BAF-40C5-805A-01803EF6401C}"/>
+                <a16:creationId xmlns:a16="http://schemas.microsoft.com/office/drawing/2014/main" id="{27D12A88-6CDB-4221-B48B-707A4753DF9D}"/>
               </a:ext>
             </a:extLst>
           </p:cNvPr>
@@ -3487,7 +3487,7 @@
           <p:cNvPr descr="Obesity in the World and how it compares among different countries1" id="2" name="slide2">
             <a:extLst>
               <a:ext uri="{FF2B5EF4-FFF2-40B4-BE49-F238E27FC236}">
-                <a16:creationId xmlns:a16="http://schemas.microsoft.com/office/drawing/2014/main" id="{0730C9B0-1D12-4409-8C66-19A069EB5BD0}"/>
+                <a16:creationId xmlns:a16="http://schemas.microsoft.com/office/drawing/2014/main" id="{4C11C697-E62E-48FE-BAAC-5D69E08FFFBB}"/>
               </a:ext>
             </a:extLst>
           </p:cNvPr>
@@ -3553,7 +3553,7 @@
           <p:cNvPr descr="Obesity in the World and how it compares among different countries2" id="3" name="slide3">
             <a:extLst>
               <a:ext uri="{FF2B5EF4-FFF2-40B4-BE49-F238E27FC236}">
-                <a16:creationId xmlns:a16="http://schemas.microsoft.com/office/drawing/2014/main" id="{94049C55-5AA6-4F06-A179-88902FC7D111}"/>
+                <a16:creationId xmlns:a16="http://schemas.microsoft.com/office/drawing/2014/main" id="{4A53B549-0645-4114-B607-1B2B8AE012A9}"/>
               </a:ext>
             </a:extLst>
           </p:cNvPr>
@@ -3619,7 +3619,7 @@
           <p:cNvPr descr="Obesity in the World and how it compares among different countries3" id="4" name="slide4">
             <a:extLst>
               <a:ext uri="{FF2B5EF4-FFF2-40B4-BE49-F238E27FC236}">
-                <a16:creationId xmlns:a16="http://schemas.microsoft.com/office/drawing/2014/main" id="{DECD4B45-DCE5-49AE-8CE2-1397A5A8DEE3}"/>
+                <a16:creationId xmlns:a16="http://schemas.microsoft.com/office/drawing/2014/main" id="{B681C029-C716-4F37-9EEF-BBB7E5D92FB0}"/>
               </a:ext>
             </a:extLst>
           </p:cNvPr>
@@ -3685,7 +3685,7 @@
           <p:cNvPr descr="Obesity in the World and how it compares among different countries4" id="5" name="slide5">
             <a:extLst>
               <a:ext uri="{FF2B5EF4-FFF2-40B4-BE49-F238E27FC236}">
-                <a16:creationId xmlns:a16="http://schemas.microsoft.com/office/drawing/2014/main" id="{D526FC25-5997-4A2F-AA63-6654B4BCD542}"/>
+                <a16:creationId xmlns:a16="http://schemas.microsoft.com/office/drawing/2014/main" id="{2407049E-1821-4FFF-A9C6-9B817A84BFF6}"/>
               </a:ext>
             </a:extLst>
           </p:cNvPr>
@@ -3751,7 +3751,7 @@
           <p:cNvPr descr="Obesity in the World and how it compares among different countries5" id="6" name="slide6">
             <a:extLst>
               <a:ext uri="{FF2B5EF4-FFF2-40B4-BE49-F238E27FC236}">
-                <a16:creationId xmlns:a16="http://schemas.microsoft.com/office/drawing/2014/main" id="{59714BF5-26E5-4DBF-A677-AE8B36BB8A4B}"/>
+                <a16:creationId xmlns:a16="http://schemas.microsoft.com/office/drawing/2014/main" id="{C19C5334-D9EE-4765-9375-D9588FDC9F68}"/>
               </a:ext>
             </a:extLst>
           </p:cNvPr>
@@ -3817,7 +3817,7 @@
           <p:cNvPr descr="Obesity in the World and how it compares among different countries8" id="7" name="slide7">
             <a:extLst>
               <a:ext uri="{FF2B5EF4-FFF2-40B4-BE49-F238E27FC236}">
-                <a16:creationId xmlns:a16="http://schemas.microsoft.com/office/drawing/2014/main" id="{C830982A-6DC7-4DB2-B06B-3775D77C2258}"/>
+                <a16:creationId xmlns:a16="http://schemas.microsoft.com/office/drawing/2014/main" id="{44B5DB68-9F30-4005-BD26-0DAD90E92B20}"/>
               </a:ext>
             </a:extLst>
           </p:cNvPr>
@@ -3883,7 +3883,7 @@
           <p:cNvPr descr="Obesity in the World and how it compares among different countries6" id="8" name="slide8">
             <a:extLst>
               <a:ext uri="{FF2B5EF4-FFF2-40B4-BE49-F238E27FC236}">
-                <a16:creationId xmlns:a16="http://schemas.microsoft.com/office/drawing/2014/main" id="{04E814E7-B96C-4B92-A90A-7ACB521B7201}"/>
+                <a16:creationId xmlns:a16="http://schemas.microsoft.com/office/drawing/2014/main" id="{2BB27641-DD01-41D6-98C0-24507008040E}"/>
               </a:ext>
             </a:extLst>
           </p:cNvPr>
@@ -3949,7 +3949,7 @@
           <p:cNvPr descr="Obesity in the World and how it compares among different countries9" id="9" name="slide9">
             <a:extLst>
               <a:ext uri="{FF2B5EF4-FFF2-40B4-BE49-F238E27FC236}">
-                <a16:creationId xmlns:a16="http://schemas.microsoft.com/office/drawing/2014/main" id="{A80212E8-B4C0-4B22-AD60-B0FAFF90DCD0}"/>
+                <a16:creationId xmlns:a16="http://schemas.microsoft.com/office/drawing/2014/main" id="{B833ADF9-D300-444A-AACA-E15F7A339BF7}"/>
               </a:ext>
             </a:extLst>
           </p:cNvPr>
